--- a/common_script/FinalPresentation.pptx
+++ b/common_script/FinalPresentation.pptx
@@ -139,7 +139,7 @@
 <p1510:revInfo xmlns:a="http://schemas.openxmlformats.org/drawingml/2006/main" xmlns:r="http://schemas.openxmlformats.org/officeDocument/2006/relationships" xmlns:p1510="http://schemas.microsoft.com/office/powerpoint/2015/10/main">
   <p1510:revLst>
     <p1510:client id="{8F78352E-5367-6868-1777-35C49C7BAF42}" v="125" dt="2020-05-19T17:59:37.275"/>
-    <p1510:client id="{A216D797-AE79-A50C-AC5F-27B9762B4CCD}" v="75" dt="2020-05-19T18:01:10.485"/>
+    <p1510:client id="{A216D797-AE79-A50C-AC5F-27B9762B4CCD}" v="96" dt="2020-05-19T18:17:32.769"/>
     <p1510:client id="{F20D4288-7282-4BBD-D43C-C61BE1DFCB9D}" v="6" dt="2020-05-19T17:05:04.091"/>
   </p1510:revLst>
 </p1510:revInfo>
@@ -24155,29 +24155,6 @@
           </a:p>
         </p:txBody>
       </p:sp>
-      <p:pic>
-        <p:nvPicPr>
-          <p:cNvPr id="225" name="Google Shape;134;p23"/>
-          <p:cNvPicPr/>
-          <p:nvPr/>
-        </p:nvPicPr>
-        <p:blipFill>
-          <a:blip r:embed="rId3"/>
-          <a:stretch/>
-        </p:blipFill>
-        <p:spPr>
-          <a:xfrm>
-            <a:off x="199440" y="2025360"/>
-            <a:ext cx="4989960" cy="4212000"/>
-          </a:xfrm>
-          <a:prstGeom prst="rect">
-            <a:avLst/>
-          </a:prstGeom>
-          <a:ln>
-            <a:noFill/>
-          </a:ln>
-        </p:spPr>
-      </p:pic>
       <p:sp>
         <p:nvSpPr>
           <p:cNvPr id="226" name="CustomShape 3"/>
@@ -24791,6 +24768,36 @@
           </a:p>
         </p:txBody>
       </p:sp>
+      <p:pic>
+        <p:nvPicPr>
+          <p:cNvPr id="2" name="Picture 2" descr="A picture containing indoor, computer, table, photo&#10;&#10;Description generated with very high confidence">
+            <a:extLst>
+              <a:ext uri="{FF2B5EF4-FFF2-40B4-BE49-F238E27FC236}">
+                <a16:creationId xmlns:a16="http://schemas.microsoft.com/office/drawing/2014/main" id="{C628DCB9-91EF-4429-883A-6E4DF1A25110}"/>
+              </a:ext>
+            </a:extLst>
+          </p:cNvPr>
+          <p:cNvPicPr>
+            <a:picLocks noChangeAspect="1"/>
+          </p:cNvPicPr>
+          <p:nvPr/>
+        </p:nvPicPr>
+        <p:blipFill>
+          <a:blip r:embed="rId3"/>
+          <a:stretch>
+            <a:fillRect/>
+          </a:stretch>
+        </p:blipFill>
+        <p:spPr>
+          <a:xfrm>
+            <a:off x="38100" y="1038225"/>
+            <a:ext cx="5695950" cy="4276725"/>
+          </a:xfrm>
+          <a:prstGeom prst="rect">
+            <a:avLst/>
+          </a:prstGeom>
+        </p:spPr>
+      </p:pic>
     </p:spTree>
   </p:cSld>
   <p:clrMapOvr>
@@ -25591,7 +25598,7 @@
           <a:fontRef idx="minor"/>
         </p:style>
         <p:txBody>
-          <a:bodyPr tIns="91440" bIns="91440"/>
+          <a:bodyPr tIns="91440" bIns="91440" anchor="t"/>
           <a:lstStyle/>
           <a:p>
             <a:pPr>
@@ -25600,7 +25607,7 @@
               </a:lnSpc>
             </a:pPr>
             <a:r>
-              <a:rPr lang="en-US" sz="2400" b="0" u="sng" strike="noStrike" spc="-1">
+              <a:rPr lang="en-US" sz="2400" b="0" u="sng" strike="noStrike" spc="-1" dirty="0">
                 <a:solidFill>
                   <a:srgbClr val="000000"/>
                 </a:solidFill>
@@ -25610,7 +25617,7 @@
               </a:rPr>
               <a:t>Objective Function</a:t>
             </a:r>
-            <a:endParaRPr lang="en-US" sz="2400" b="0" strike="noStrike" spc="-1">
+            <a:endParaRPr lang="en-US" sz="2400" b="0" strike="noStrike" spc="-1" dirty="0">
               <a:latin typeface="Arial"/>
             </a:endParaRPr>
           </a:p>
@@ -25621,7 +25628,7 @@
               </a:lnSpc>
             </a:pPr>
             <a:r>
-              <a:rPr lang="en-US" sz="1800" b="0" strike="noStrike" spc="-1">
+              <a:rPr lang="en-US" sz="1800" b="0" strike="noStrike" spc="-1" dirty="0">
                 <a:solidFill>
                   <a:srgbClr val="000000"/>
                 </a:solidFill>
@@ -25630,12 +25637,12 @@
               </a:rPr>
               <a:t>Two possible design choices</a:t>
             </a:r>
-            <a:endParaRPr lang="en-US" sz="1800" b="0" strike="noStrike" spc="-1">
-              <a:latin typeface="Arial"/>
-            </a:endParaRPr>
-          </a:p>
-          <a:p>
-            <a:pPr marL="457200" indent="-342720">
+            <a:endParaRPr lang="en-US" sz="1800" b="0" strike="noStrike" spc="-1" dirty="0">
+              <a:latin typeface="Arial"/>
+            </a:endParaRPr>
+          </a:p>
+          <a:p>
+            <a:pPr marL="457200" indent="-342265">
               <a:lnSpc>
                 <a:spcPct val="100000"/>
               </a:lnSpc>
@@ -25646,24 +25653,41 @@
               <a:buAutoNum type="arabicPeriod"/>
             </a:pPr>
             <a:r>
-              <a:rPr lang="en-US" sz="1800" b="0" strike="noStrike" spc="-1">
+              <a:rPr lang="en-US" sz="1800" b="0" strike="noStrike" spc="-1" dirty="0">
                 <a:solidFill>
                   <a:srgbClr val="000000"/>
                 </a:solidFill>
                 <a:latin typeface="Roboto"/>
                 <a:ea typeface="Roboto"/>
               </a:rPr>
-              <a:t>Minimize the network operation &amp; installation cost for given user-service paris.</a:t>
-            </a:r>
-            <a:endParaRPr lang="en-US" sz="1800" b="0" strike="noStrike" spc="-1">
-              <a:latin typeface="Arial"/>
-            </a:endParaRPr>
-          </a:p>
-          <a:p>
-            <a:pPr marL="457200" indent="-342720">
-              <a:lnSpc>
-                <a:spcPct val="100000"/>
-              </a:lnSpc>
+              <a:t>Minimize the network operation &amp; installation cost for given user-service </a:t>
+            </a:r>
+            <a:r>
+              <a:rPr lang="en-US" spc="-1" dirty="0">
+                <a:solidFill>
+                  <a:srgbClr val="000000"/>
+                </a:solidFill>
+                <a:latin typeface="Roboto"/>
+                <a:ea typeface="Roboto"/>
+              </a:rPr>
+              <a:t>pairs</a:t>
+            </a:r>
+            <a:r>
+              <a:rPr lang="en-US" sz="1800" b="0" strike="noStrike" spc="-1" dirty="0">
+                <a:solidFill>
+                  <a:srgbClr val="000000"/>
+                </a:solidFill>
+                <a:latin typeface="Roboto"/>
+                <a:ea typeface="Roboto"/>
+              </a:rPr>
+              <a:t>.</a:t>
+            </a:r>
+            <a:endParaRPr lang="en-US" sz="1800" b="0" strike="noStrike" spc="-1" dirty="0">
+              <a:latin typeface="Arial"/>
+            </a:endParaRPr>
+          </a:p>
+          <a:p>
+            <a:pPr marL="457200" indent="-342265">
               <a:buClr>
                 <a:srgbClr val="000000"/>
               </a:buClr>
@@ -25671,16 +25695,46 @@
               <a:buAutoNum type="arabicPeriod"/>
             </a:pPr>
             <a:r>
-              <a:rPr lang="en-US" sz="1800" b="0" strike="noStrike" spc="-1">
+              <a:rPr lang="en-US" sz="1800" b="0" strike="noStrike" spc="-1" dirty="0">
                 <a:solidFill>
                   <a:srgbClr val="000000"/>
                 </a:solidFill>
                 <a:latin typeface="Roboto"/>
                 <a:ea typeface="Roboto"/>
               </a:rPr>
-              <a:t>Maximize the number of served user-service paris for a given network configuration. </a:t>
-            </a:r>
-            <a:endParaRPr lang="en-US" sz="1800" b="0" strike="noStrike" spc="-1">
+              <a:t>Maximize the number of served user-service </a:t>
+            </a:r>
+            <a:r>
+              <a:rPr lang="en-US" spc="-1" dirty="0">
+                <a:solidFill>
+                  <a:srgbClr val="000000"/>
+                </a:solidFill>
+                <a:latin typeface="Roboto"/>
+                <a:ea typeface="Roboto"/>
+              </a:rPr>
+              <a:t>pairs for </a:t>
+            </a:r>
+            <a:r>
+              <a:rPr lang="en-US" sz="1800" b="0" strike="noStrike" spc="-1" dirty="0">
+                <a:solidFill>
+                  <a:srgbClr val="000000"/>
+                </a:solidFill>
+                <a:latin typeface="Roboto"/>
+                <a:ea typeface="Roboto"/>
+              </a:rPr>
+              <a:t>a given network configuration.</a:t>
+            </a:r>
+            <a:r>
+              <a:rPr lang="en-US" spc="-1" dirty="0">
+                <a:solidFill>
+                  <a:srgbClr val="000000"/>
+                </a:solidFill>
+                <a:latin typeface="Roboto"/>
+                <a:ea typeface="Roboto"/>
+              </a:rPr>
+              <a:t> </a:t>
+            </a:r>
+            <a:endParaRPr lang="en-US" sz="1800" b="0" strike="noStrike" spc="-1" dirty="0">
               <a:latin typeface="Arial"/>
             </a:endParaRPr>
           </a:p>

--- a/common_script/FinalPresentation.pptx
+++ b/common_script/FinalPresentation.pptx
@@ -8,7 +8,7 @@
     <p:sldMasterId id="2147483687" r:id="rId4"/>
   </p:sldMasterIdLst>
   <p:notesMasterIdLst>
-    <p:notesMasterId r:id="rId28"/>
+    <p:notesMasterId r:id="rId29"/>
   </p:notesMasterIdLst>
   <p:sldIdLst>
     <p:sldId id="256" r:id="rId5"/>
@@ -31,9 +31,10 @@
     <p:sldId id="273" r:id="rId22"/>
     <p:sldId id="274" r:id="rId23"/>
     <p:sldId id="275" r:id="rId24"/>
-    <p:sldId id="276" r:id="rId25"/>
-    <p:sldId id="277" r:id="rId26"/>
-    <p:sldId id="278" r:id="rId27"/>
+    <p:sldId id="279" r:id="rId25"/>
+    <p:sldId id="276" r:id="rId26"/>
+    <p:sldId id="277" r:id="rId27"/>
+    <p:sldId id="278" r:id="rId28"/>
   </p:sldIdLst>
   <p:sldSz cx="12192000" cy="6858000"/>
   <p:notesSz cx="6858000" cy="9144000"/>
@@ -1027,7 +1028,7 @@
               <a:rPr lang="en-US" sz="1200" b="0" strike="noStrike" spc="-1">
                 <a:latin typeface="Times New Roman"/>
               </a:rPr>
-              <a:t>21</a:t>
+              <a:t>22</a:t>
             </a:fld>
             <a:endParaRPr lang="en-US" sz="1200" b="0" strike="noStrike" spc="-1">
               <a:latin typeface="Times New Roman"/>
@@ -1141,7 +1142,7 @@
               <a:rPr lang="en-US" sz="1200" b="0" strike="noStrike" spc="-1">
                 <a:latin typeface="Times New Roman"/>
               </a:rPr>
-              <a:t>22</a:t>
+              <a:t>23</a:t>
             </a:fld>
             <a:endParaRPr lang="en-US" sz="1200" b="0" strike="noStrike" spc="-1">
               <a:latin typeface="Times New Roman"/>
@@ -16662,7 +16663,7 @@
               </a:lnSpc>
             </a:pPr>
             <a:r>
-              <a:rPr lang="en-US" sz="1800" b="0" strike="noStrike" spc="-1">
+              <a:rPr lang="en-US" sz="1800" b="0" strike="noStrike" spc="-1" dirty="0">
                 <a:solidFill>
                   <a:srgbClr val="000000"/>
                 </a:solidFill>
@@ -16670,7 +16671,7 @@
               </a:rPr>
               <a:t>Iteration with sub-mixed integer programming.</a:t>
             </a:r>
-            <a:endParaRPr lang="en-US" sz="1800" b="0" strike="noStrike" spc="-1">
+            <a:endParaRPr lang="en-US" sz="1800" b="0" strike="noStrike" spc="-1" dirty="0">
               <a:latin typeface="Arial"/>
             </a:endParaRPr>
           </a:p>
@@ -16680,7 +16681,7 @@
                 <a:spcPct val="100000"/>
               </a:lnSpc>
             </a:pPr>
-            <a:endParaRPr lang="en-US" sz="1800" b="0" strike="noStrike" spc="-1">
+            <a:endParaRPr lang="en-US" sz="1800" b="0" strike="noStrike" spc="-1" dirty="0">
               <a:latin typeface="Arial"/>
             </a:endParaRPr>
           </a:p>
@@ -16691,7 +16692,7 @@
               </a:lnSpc>
             </a:pPr>
             <a:r>
-              <a:rPr lang="en-US" sz="1800" b="0" strike="noStrike" spc="-1">
+              <a:rPr lang="en-US" sz="1800" b="0" strike="noStrike" spc="-1" dirty="0">
                 <a:solidFill>
                   <a:srgbClr val="000000"/>
                 </a:solidFill>
@@ -16699,7 +16700,7 @@
               </a:rPr>
               <a:t>More integer variables, more time the algorithm will take. We can make iterative procedures to optimize the objective function with less integer variables.</a:t>
             </a:r>
-            <a:endParaRPr lang="en-US" sz="1800" b="0" strike="noStrike" spc="-1">
+            <a:endParaRPr lang="en-US" sz="1800" b="0" strike="noStrike" spc="-1" dirty="0">
               <a:latin typeface="Arial"/>
             </a:endParaRPr>
           </a:p>
@@ -16709,7 +16710,7 @@
                 <a:spcPct val="100000"/>
               </a:lnSpc>
             </a:pPr>
-            <a:endParaRPr lang="en-US" sz="1800" b="0" strike="noStrike" spc="-1">
+            <a:endParaRPr lang="en-US" sz="1800" b="0" strike="noStrike" spc="-1" dirty="0">
               <a:latin typeface="Arial"/>
             </a:endParaRPr>
           </a:p>
@@ -16720,15 +16721,192 @@
               </a:lnSpc>
             </a:pPr>
             <a:r>
-              <a:rPr lang="en-US" sz="1800" b="0" strike="noStrike" spc="-1">
-                <a:solidFill>
-                  <a:srgbClr val="000000"/>
-                </a:solidFill>
-                <a:latin typeface="Arial"/>
-              </a:rPr>
-              <a:t>In our model, we have binary variable: access_indicator, link_indicator and server_indicator. But when we fix link_indicator and access_indicator to binary variables, the server_indicator will be binary automatically. </a:t>
-            </a:r>
-            <a:endParaRPr lang="en-US" sz="1800" b="0" strike="noStrike" spc="-1">
+              <a:rPr lang="en-US" sz="1800" b="0" strike="noStrike" spc="-1" dirty="0">
+                <a:solidFill>
+                  <a:srgbClr val="000000"/>
+                </a:solidFill>
+                <a:latin typeface="Arial"/>
+              </a:rPr>
+              <a:t>In our model, we have binary variable: </a:t>
+            </a:r>
+            <a:r>
+              <a:rPr lang="en-US" sz="1800" b="0" strike="noStrike" spc="-1" dirty="0" err="1">
+                <a:solidFill>
+                  <a:srgbClr val="000000"/>
+                </a:solidFill>
+                <a:latin typeface="Arial"/>
+              </a:rPr>
+              <a:t>access_indicator</a:t>
+            </a:r>
+            <a:r>
+              <a:rPr lang="en-US" dirty="0"/>
+              <a:t> (</a:t>
+            </a:r>
+            <a:r>
+              <a:rPr lang="en" dirty="0">
+                <a:latin typeface="Arial" panose="020B0604020202020204" pitchFamily="34" charset="0"/>
+                <a:ea typeface="Roboto"/>
+                <a:cs typeface="Arial" panose="020B0604020202020204" pitchFamily="34" charset="0"/>
+                <a:sym typeface="Roboto"/>
+              </a:rPr>
+              <a:t>y</a:t>
+            </a:r>
+            <a:r>
+              <a:rPr lang="en" baseline="-25000" dirty="0">
+                <a:latin typeface="Arial" panose="020B0604020202020204" pitchFamily="34" charset="0"/>
+                <a:ea typeface="Roboto"/>
+                <a:cs typeface="Arial" panose="020B0604020202020204" pitchFamily="34" charset="0"/>
+                <a:sym typeface="Roboto"/>
+              </a:rPr>
+              <a:t>n’u</a:t>
+            </a:r>
+            <a:r>
+              <a:rPr lang="en-US" dirty="0"/>
+              <a:t>),</a:t>
+            </a:r>
+            <a:r>
+              <a:rPr lang="en-US" sz="1800" b="0" strike="noStrike" spc="-1" dirty="0" err="1">
+                <a:solidFill>
+                  <a:srgbClr val="000000"/>
+                </a:solidFill>
+                <a:latin typeface="Arial"/>
+              </a:rPr>
+              <a:t>link_indicator</a:t>
+            </a:r>
+            <a:r>
+              <a:rPr lang="en-US" dirty="0"/>
+              <a:t> (</a:t>
+            </a:r>
+            <a:r>
+              <a:rPr lang="en" dirty="0">
+                <a:latin typeface="Arial" panose="020B0604020202020204" pitchFamily="34" charset="0"/>
+                <a:ea typeface="Roboto"/>
+                <a:cs typeface="Arial" panose="020B0604020202020204" pitchFamily="34" charset="0"/>
+                <a:sym typeface="Roboto"/>
+              </a:rPr>
+              <a:t>u</a:t>
+            </a:r>
+            <a:r>
+              <a:rPr lang="en" baseline="-25000" dirty="0">
+                <a:latin typeface="Arial" panose="020B0604020202020204" pitchFamily="34" charset="0"/>
+                <a:ea typeface="Roboto"/>
+                <a:cs typeface="Arial" panose="020B0604020202020204" pitchFamily="34" charset="0"/>
+                <a:sym typeface="Roboto"/>
+              </a:rPr>
+              <a:t>ue</a:t>
+            </a:r>
+            <a:r>
+              <a:rPr lang="en-US" dirty="0"/>
+              <a:t>)</a:t>
+            </a:r>
+            <a:r>
+              <a:rPr lang="en-US" sz="1800" b="0" strike="noStrike" spc="-1" dirty="0">
+                <a:solidFill>
+                  <a:srgbClr val="000000"/>
+                </a:solidFill>
+                <a:latin typeface="Arial"/>
+              </a:rPr>
+              <a:t> and </a:t>
+            </a:r>
+            <a:r>
+              <a:rPr lang="en-US" sz="1800" b="0" strike="noStrike" spc="-1" dirty="0" err="1">
+                <a:solidFill>
+                  <a:srgbClr val="000000"/>
+                </a:solidFill>
+                <a:latin typeface="Arial"/>
+              </a:rPr>
+              <a:t>server_indicator</a:t>
+            </a:r>
+            <a:r>
+              <a:rPr lang="en-US" dirty="0"/>
+              <a:t>(</a:t>
+            </a:r>
+            <a:r>
+              <a:rPr lang="en" dirty="0">
+                <a:latin typeface="Arial" panose="020B0604020202020204" pitchFamily="34" charset="0"/>
+                <a:ea typeface="Roboto"/>
+                <a:cs typeface="Arial" panose="020B0604020202020204" pitchFamily="34" charset="0"/>
+                <a:sym typeface="Roboto"/>
+              </a:rPr>
+              <a:t>x</a:t>
+            </a:r>
+            <a:r>
+              <a:rPr lang="en" baseline="-25000" dirty="0">
+                <a:latin typeface="Arial" panose="020B0604020202020204" pitchFamily="34" charset="0"/>
+                <a:ea typeface="Roboto"/>
+                <a:cs typeface="Arial" panose="020B0604020202020204" pitchFamily="34" charset="0"/>
+                <a:sym typeface="Roboto"/>
+              </a:rPr>
+              <a:t>nu</a:t>
+            </a:r>
+            <a:r>
+              <a:rPr lang="en-US" dirty="0"/>
+              <a:t>)</a:t>
+            </a:r>
+            <a:r>
+              <a:rPr lang="en-US" sz="1800" b="0" strike="noStrike" spc="-1" dirty="0">
+                <a:solidFill>
+                  <a:srgbClr val="000000"/>
+                </a:solidFill>
+                <a:latin typeface="Arial"/>
+              </a:rPr>
+              <a:t>. But when we fix </a:t>
+            </a:r>
+            <a:r>
+              <a:rPr lang="en-US" sz="1800" b="0" strike="noStrike" spc="-1" dirty="0" err="1">
+                <a:solidFill>
+                  <a:srgbClr val="000000"/>
+                </a:solidFill>
+                <a:latin typeface="Arial"/>
+              </a:rPr>
+              <a:t>link_indicator</a:t>
+            </a:r>
+            <a:r>
+              <a:rPr lang="en-US" sz="1800" b="0" strike="noStrike" spc="-1" dirty="0">
+                <a:solidFill>
+                  <a:srgbClr val="000000"/>
+                </a:solidFill>
+                <a:latin typeface="Arial"/>
+              </a:rPr>
+              <a:t> and </a:t>
+            </a:r>
+            <a:r>
+              <a:rPr lang="en-US" sz="1800" b="0" strike="noStrike" spc="-1" dirty="0" err="1">
+                <a:solidFill>
+                  <a:srgbClr val="000000"/>
+                </a:solidFill>
+                <a:latin typeface="Arial"/>
+              </a:rPr>
+              <a:t>access_indicator</a:t>
+            </a:r>
+            <a:r>
+              <a:rPr lang="en-US" sz="1800" b="0" strike="noStrike" spc="-1" dirty="0">
+                <a:solidFill>
+                  <a:srgbClr val="000000"/>
+                </a:solidFill>
+                <a:latin typeface="Arial"/>
+              </a:rPr>
+              <a:t> to binary variables, the </a:t>
+            </a:r>
+            <a:r>
+              <a:rPr lang="en-US" sz="1800" b="0" strike="noStrike" spc="-1" dirty="0" err="1">
+                <a:solidFill>
+                  <a:srgbClr val="000000"/>
+                </a:solidFill>
+                <a:latin typeface="Arial"/>
+              </a:rPr>
+              <a:t>server_indicator</a:t>
+            </a:r>
+            <a:r>
+              <a:rPr lang="en-US" sz="1800" b="0" strike="noStrike" spc="-1" dirty="0">
+                <a:solidFill>
+                  <a:srgbClr val="000000"/>
+                </a:solidFill>
+                <a:latin typeface="Arial"/>
+              </a:rPr>
+              <a:t> will be binary automatically. </a:t>
+            </a:r>
+            <a:endParaRPr lang="en-US" sz="1800" b="0" strike="noStrike" spc="-1" dirty="0">
               <a:latin typeface="Arial"/>
             </a:endParaRPr>
           </a:p>
@@ -16738,7 +16916,7 @@
                 <a:spcPct val="100000"/>
               </a:lnSpc>
             </a:pPr>
-            <a:endParaRPr lang="en-US" sz="1800" b="0" strike="noStrike" spc="-1">
+            <a:endParaRPr lang="en-US" sz="1800" b="0" strike="noStrike" spc="-1" dirty="0">
               <a:latin typeface="Arial"/>
             </a:endParaRPr>
           </a:p>
@@ -16749,15 +16927,51 @@
               </a:lnSpc>
             </a:pPr>
             <a:r>
-              <a:rPr lang="en-US" sz="1800" b="0" strike="noStrike" spc="-1">
-                <a:solidFill>
-                  <a:srgbClr val="000000"/>
-                </a:solidFill>
-                <a:latin typeface="Arial"/>
-              </a:rPr>
-              <a:t>So we fix link_indicator to be binary, and get ‘binary’ access_indicator iteratively. During  the iteration, we add more constraints to the model according to the output of each iteration to gradually get the mixed integer solution.</a:t>
-            </a:r>
-            <a:endParaRPr lang="en-US" sz="1800" b="0" strike="noStrike" spc="-1">
+              <a:rPr lang="en-US" sz="1800" b="0" strike="noStrike" spc="-1" dirty="0">
+                <a:solidFill>
+                  <a:srgbClr val="000000"/>
+                </a:solidFill>
+                <a:latin typeface="Arial"/>
+              </a:rPr>
+              <a:t>So we fix </a:t>
+            </a:r>
+            <a:r>
+              <a:rPr lang="en-US" sz="1800" b="0" strike="noStrike" spc="-1" dirty="0" err="1">
+                <a:solidFill>
+                  <a:srgbClr val="000000"/>
+                </a:solidFill>
+                <a:latin typeface="Arial"/>
+              </a:rPr>
+              <a:t>link_indicator</a:t>
+            </a:r>
+            <a:r>
+              <a:rPr lang="en-US" sz="1800" b="0" strike="noStrike" spc="-1" dirty="0">
+                <a:solidFill>
+                  <a:srgbClr val="000000"/>
+                </a:solidFill>
+                <a:latin typeface="Arial"/>
+              </a:rPr>
+              <a:t> to be binary, and get ‘binary’ </a:t>
+            </a:r>
+            <a:r>
+              <a:rPr lang="en-US" sz="1800" b="0" strike="noStrike" spc="-1" dirty="0" err="1">
+                <a:solidFill>
+                  <a:srgbClr val="000000"/>
+                </a:solidFill>
+                <a:latin typeface="Arial"/>
+              </a:rPr>
+              <a:t>access_indicator</a:t>
+            </a:r>
+            <a:r>
+              <a:rPr lang="en-US" sz="1800" b="0" strike="noStrike" spc="-1" dirty="0">
+                <a:solidFill>
+                  <a:srgbClr val="000000"/>
+                </a:solidFill>
+                <a:latin typeface="Arial"/>
+              </a:rPr>
+              <a:t> iteratively. During  the iteration, we add more constraints to the model according to the output of each iteration to gradually get the mixed integer solution.</a:t>
+            </a:r>
+            <a:endParaRPr lang="en-US" sz="1800" b="0" strike="noStrike" spc="-1" dirty="0">
               <a:latin typeface="Arial"/>
             </a:endParaRPr>
           </a:p>
@@ -16767,7 +16981,7 @@
                 <a:spcPct val="100000"/>
               </a:lnSpc>
             </a:pPr>
-            <a:endParaRPr lang="en-US" sz="1800" b="0" strike="noStrike" spc="-1">
+            <a:endParaRPr lang="en-US" sz="1800" b="0" strike="noStrike" spc="-1" dirty="0">
               <a:latin typeface="Arial"/>
             </a:endParaRPr>
           </a:p>
@@ -17284,7 +17498,7 @@
         </p:nvSpPr>
         <p:spPr>
           <a:xfrm>
-            <a:off x="342720" y="2373840"/>
+            <a:off x="342961" y="1745579"/>
             <a:ext cx="5618880" cy="4901040"/>
           </a:xfrm>
           <a:prstGeom prst="rect">
@@ -17305,7 +17519,7 @@
               </a:lnSpc>
             </a:pPr>
             <a:r>
-              <a:rPr lang="en-US" sz="1870" b="0" strike="noStrike" spc="-1">
+              <a:rPr lang="en-US" sz="1870" b="0" strike="noStrike" spc="-1" dirty="0">
                 <a:solidFill>
                   <a:srgbClr val="000000"/>
                 </a:solidFill>
@@ -17314,7 +17528,7 @@
               </a:rPr>
               <a:t>Idea:</a:t>
             </a:r>
-            <a:endParaRPr lang="en-US" sz="1870" b="0" strike="noStrike" spc="-1">
+            <a:endParaRPr lang="en-US" sz="1870" b="0" strike="noStrike" spc="-1" dirty="0">
               <a:solidFill>
                 <a:srgbClr val="000000"/>
               </a:solidFill>
@@ -17327,7 +17541,7 @@
                 <a:spcPct val="100000"/>
               </a:lnSpc>
             </a:pPr>
-            <a:endParaRPr lang="en-US" sz="1870" b="0" strike="noStrike" spc="-1">
+            <a:endParaRPr lang="en-US" sz="1870" b="0" strike="noStrike" spc="-1" dirty="0">
               <a:solidFill>
                 <a:srgbClr val="000000"/>
               </a:solidFill>
@@ -17341,7 +17555,7 @@
               </a:lnSpc>
             </a:pPr>
             <a:r>
-              <a:rPr lang="en-US" sz="1870" b="0" strike="noStrike" spc="-1">
+              <a:rPr lang="en-US" sz="1870" b="0" strike="noStrike" spc="-1" dirty="0">
                 <a:solidFill>
                   <a:srgbClr val="000000"/>
                 </a:solidFill>
@@ -17350,7 +17564,7 @@
               </a:rPr>
               <a:t>Try to increase these majority part of flow to one by reducing the minority to zero, which will guarantee the feasible solution.</a:t>
             </a:r>
-            <a:endParaRPr lang="en-US" sz="1870" b="0" strike="noStrike" spc="-1">
+            <a:endParaRPr lang="en-US" sz="1870" b="0" strike="noStrike" spc="-1" dirty="0">
               <a:solidFill>
                 <a:srgbClr val="000000"/>
               </a:solidFill>
@@ -17363,7 +17577,7 @@
                 <a:spcPct val="100000"/>
               </a:lnSpc>
             </a:pPr>
-            <a:endParaRPr lang="en-US" sz="1870" b="0" strike="noStrike" spc="-1">
+            <a:endParaRPr lang="en-US" sz="1870" b="0" strike="noStrike" spc="-1" dirty="0">
               <a:solidFill>
                 <a:srgbClr val="000000"/>
               </a:solidFill>
@@ -17377,7 +17591,7 @@
               </a:lnSpc>
             </a:pPr>
             <a:r>
-              <a:rPr lang="en-US" sz="1870" b="0" strike="noStrike" spc="-1">
+              <a:rPr lang="en-US" sz="1870" b="0" strike="noStrike" spc="-1" dirty="0">
                 <a:solidFill>
                   <a:srgbClr val="000000"/>
                 </a:solidFill>
@@ -17387,7 +17601,7 @@
               <a:t>If majority of </a:t>
             </a:r>
             <a:r>
-              <a:rPr lang="en-US" sz="1800" b="0" strike="noStrike" spc="-1">
+              <a:rPr lang="en-US" sz="1800" b="0" strike="noStrike" spc="-1" dirty="0" err="1">
                 <a:solidFill>
                   <a:srgbClr val="000000"/>
                 </a:solidFill>
@@ -17397,7 +17611,7 @@
               <a:t>u</a:t>
             </a:r>
             <a:r>
-              <a:rPr lang="en-US" sz="1800" b="0" strike="noStrike" spc="-1" baseline="-25000">
+              <a:rPr lang="en-US" sz="1800" b="0" strike="noStrike" spc="-1" baseline="-25000" dirty="0" err="1">
                 <a:solidFill>
                   <a:srgbClr val="000000"/>
                 </a:solidFill>
@@ -17407,7 +17621,7 @@
               <a:t>i</a:t>
             </a:r>
             <a:r>
-              <a:rPr lang="en-US" sz="1870" b="0" strike="noStrike" spc="-1">
+              <a:rPr lang="en-US" sz="1870" b="0" strike="noStrike" spc="-1" dirty="0">
                 <a:solidFill>
                   <a:srgbClr val="000000"/>
                 </a:solidFill>
@@ -17417,7 +17631,7 @@
               <a:t> came to 1 </a:t>
             </a:r>
             <a:r>
-              <a:rPr lang="en-US" sz="1870" b="0" strike="noStrike" spc="-1">
+              <a:rPr lang="en-US" sz="1870" b="0" strike="noStrike" spc="-1" dirty="0">
                 <a:solidFill>
                   <a:srgbClr val="000000"/>
                 </a:solidFill>
@@ -17427,7 +17641,7 @@
               <a:t></a:t>
             </a:r>
             <a:r>
-              <a:rPr lang="en-US" sz="1870" b="0" strike="noStrike" spc="-1">
+              <a:rPr lang="en-US" sz="1870" b="0" strike="noStrike" spc="-1" dirty="0">
                 <a:solidFill>
                   <a:srgbClr val="000000"/>
                 </a:solidFill>
@@ -17436,7 +17650,7 @@
               </a:rPr>
               <a:t> Fix to 1.</a:t>
             </a:r>
-            <a:endParaRPr lang="en-US" sz="1870" b="0" strike="noStrike" spc="-1">
+            <a:endParaRPr lang="en-US" sz="1870" b="0" strike="noStrike" spc="-1" dirty="0">
               <a:solidFill>
                 <a:srgbClr val="000000"/>
               </a:solidFill>
@@ -17450,7 +17664,7 @@
               </a:lnSpc>
             </a:pPr>
             <a:r>
-              <a:rPr lang="en-US" sz="1870" b="0" strike="noStrike" spc="-1">
+              <a:rPr lang="en-US" sz="1870" b="0" strike="noStrike" spc="-1" dirty="0">
                 <a:solidFill>
                   <a:srgbClr val="000000"/>
                 </a:solidFill>
@@ -17460,7 +17674,7 @@
               <a:t>If not,  sum(all flow of </a:t>
             </a:r>
             <a:r>
-              <a:rPr lang="en-US" sz="2000" b="0" strike="noStrike" spc="-1">
+              <a:rPr lang="en-US" sz="2000" b="0" strike="noStrike" spc="-1" dirty="0" err="1">
                 <a:solidFill>
                   <a:srgbClr val="000000"/>
                 </a:solidFill>
@@ -17470,7 +17684,7 @@
               <a:t>u</a:t>
             </a:r>
             <a:r>
-              <a:rPr lang="en-US" sz="2000" b="0" strike="noStrike" spc="-1" baseline="-25000">
+              <a:rPr lang="en-US" sz="2000" b="0" strike="noStrike" spc="-1" baseline="-25000" dirty="0" err="1">
                 <a:solidFill>
                   <a:srgbClr val="000000"/>
                 </a:solidFill>
@@ -17480,7 +17694,7 @@
               <a:t>i</a:t>
             </a:r>
             <a:r>
-              <a:rPr lang="en-US" sz="1870" b="0" strike="noStrike" spc="-1">
+              <a:rPr lang="en-US" sz="1870" b="0" strike="noStrike" spc="-1" dirty="0">
                 <a:solidFill>
                   <a:srgbClr val="000000"/>
                 </a:solidFill>
@@ -17490,7 +17704,7 @@
               <a:t>) &lt; 1 </a:t>
             </a:r>
             <a:r>
-              <a:rPr lang="en-US" sz="1870" b="0" strike="noStrike" spc="-1">
+              <a:rPr lang="en-US" sz="1870" b="0" strike="noStrike" spc="-1" dirty="0">
                 <a:solidFill>
                   <a:srgbClr val="000000"/>
                 </a:solidFill>
@@ -17500,7 +17714,7 @@
               <a:t></a:t>
             </a:r>
             <a:r>
-              <a:rPr lang="en-US" sz="1870" b="0" strike="noStrike" spc="-1">
+              <a:rPr lang="en-US" sz="1870" b="0" strike="noStrike" spc="-1" dirty="0">
                 <a:solidFill>
                   <a:srgbClr val="000000"/>
                 </a:solidFill>
@@ -17509,7 +17723,7 @@
               </a:rPr>
               <a:t> drop off</a:t>
             </a:r>
-            <a:endParaRPr lang="en-US" sz="1870" b="0" strike="noStrike" spc="-1">
+            <a:endParaRPr lang="en-US" sz="1870" b="0" strike="noStrike" spc="-1" dirty="0">
               <a:solidFill>
                 <a:srgbClr val="000000"/>
               </a:solidFill>
@@ -17522,7 +17736,7 @@
                 <a:spcPct val="100000"/>
               </a:lnSpc>
             </a:pPr>
-            <a:endParaRPr lang="en-US" sz="1870" b="0" strike="noStrike" spc="-1">
+            <a:endParaRPr lang="en-US" sz="1870" b="0" strike="noStrike" spc="-1" dirty="0">
               <a:solidFill>
                 <a:srgbClr val="000000"/>
               </a:solidFill>
@@ -17536,7 +17750,7 @@
               </a:lnSpc>
             </a:pPr>
             <a:r>
-              <a:rPr lang="en-US" sz="1870" b="0" strike="noStrike" spc="-1">
+              <a:rPr lang="en-US" sz="1870" b="0" strike="noStrike" spc="-1" dirty="0">
                 <a:solidFill>
                   <a:srgbClr val="000000"/>
                 </a:solidFill>
@@ -17545,7 +17759,7 @@
               </a:rPr>
               <a:t>Successive drop off will terminate the iteration.</a:t>
             </a:r>
-            <a:endParaRPr lang="en-US" sz="1870" b="0" strike="noStrike" spc="-1">
+            <a:endParaRPr lang="en-US" sz="1870" b="0" strike="noStrike" spc="-1" dirty="0">
               <a:solidFill>
                 <a:srgbClr val="000000"/>
               </a:solidFill>
@@ -17558,7 +17772,7 @@
                 <a:spcPct val="100000"/>
               </a:lnSpc>
             </a:pPr>
-            <a:endParaRPr lang="en-US" sz="1870" b="0" strike="noStrike" spc="-1">
+            <a:endParaRPr lang="en-US" sz="1870" b="0" strike="noStrike" spc="-1" dirty="0">
               <a:solidFill>
                 <a:srgbClr val="000000"/>
               </a:solidFill>
@@ -17571,7 +17785,7 @@
                 <a:spcPct val="100000"/>
               </a:lnSpc>
             </a:pPr>
-            <a:endParaRPr lang="en-US" sz="1870" b="0" strike="noStrike" spc="-1">
+            <a:endParaRPr lang="en-US" sz="1870" b="0" strike="noStrike" spc="-1" dirty="0">
               <a:solidFill>
                 <a:srgbClr val="000000"/>
               </a:solidFill>
@@ -19573,189 +19787,103 @@
       </p:grpSpPr>
       <p:sp>
         <p:nvSpPr>
-          <p:cNvPr id="287" name="TextShape 1"/>
-          <p:cNvSpPr txBox="1"/>
-          <p:nvPr/>
-        </p:nvSpPr>
-        <p:spPr>
-          <a:xfrm>
-            <a:off x="195840" y="1223280"/>
-            <a:ext cx="7374600" cy="4174200"/>
-          </a:xfrm>
-          <a:prstGeom prst="rect">
-            <a:avLst/>
-          </a:prstGeom>
-          <a:noFill/>
-          <a:ln>
-            <a:noFill/>
-          </a:ln>
-        </p:spPr>
-        <p:txBody>
-          <a:bodyPr tIns="91440" bIns="91440"/>
-          <a:lstStyle/>
-          <a:p>
-            <a:pPr marL="609480" indent="-304560">
-              <a:lnSpc>
-                <a:spcPct val="100000"/>
-              </a:lnSpc>
-            </a:pPr>
-            <a:r>
-              <a:rPr lang="en-US" sz="2670" b="0" strike="noStrike" spc="-1">
-                <a:solidFill>
-                  <a:srgbClr val="000000"/>
-                </a:solidFill>
-                <a:latin typeface="Arial"/>
-                <a:ea typeface="Arial"/>
-              </a:rPr>
-              <a:t>Experiments</a:t>
-            </a:r>
-            <a:endParaRPr lang="en-US" sz="2670" b="0" strike="noStrike" spc="-1">
-              <a:solidFill>
-                <a:srgbClr val="000000"/>
-              </a:solidFill>
-              <a:latin typeface="Arial"/>
-            </a:endParaRPr>
-          </a:p>
-        </p:txBody>
-      </p:sp>
-      <p:sp>
-        <p:nvSpPr>
-          <p:cNvPr id="288" name="TextShape 2"/>
-          <p:cNvSpPr txBox="1"/>
-          <p:nvPr/>
-        </p:nvSpPr>
-        <p:spPr>
-          <a:xfrm>
-            <a:off x="8235720" y="305280"/>
-            <a:ext cx="3654000" cy="353160"/>
-          </a:xfrm>
-          <a:prstGeom prst="rect">
-            <a:avLst/>
-          </a:prstGeom>
-          <a:noFill/>
-          <a:ln>
-            <a:noFill/>
-          </a:ln>
-        </p:spPr>
-        <p:txBody>
-          <a:bodyPr tIns="91440" bIns="91440"/>
-          <a:lstStyle/>
-          <a:p>
-            <a:pPr marL="609480" indent="-304560" algn="r">
-              <a:lnSpc>
-                <a:spcPct val="100000"/>
-              </a:lnSpc>
-            </a:pPr>
-            <a:r>
-              <a:rPr lang="en-US" sz="1870" b="0" strike="noStrike" spc="-1">
-                <a:solidFill>
-                  <a:srgbClr val="FFFFFF"/>
-                </a:solidFill>
-                <a:latin typeface="Arial"/>
-                <a:ea typeface="Arial"/>
-              </a:rPr>
-              <a:t>Heuristic 2</a:t>
-            </a:r>
-            <a:endParaRPr lang="en-US" sz="1870" b="0" strike="noStrike" spc="-1">
-              <a:solidFill>
-                <a:srgbClr val="000000"/>
-              </a:solidFill>
-              <a:latin typeface="Arial"/>
-            </a:endParaRPr>
-          </a:p>
-        </p:txBody>
-      </p:sp>
-      <p:sp>
-        <p:nvSpPr>
-          <p:cNvPr id="289" name="TextShape 3"/>
-          <p:cNvSpPr txBox="1"/>
-          <p:nvPr/>
-        </p:nvSpPr>
-        <p:spPr>
-          <a:xfrm>
-            <a:off x="8737560" y="6356520"/>
-            <a:ext cx="2844360" cy="365760"/>
-          </a:xfrm>
-          <a:prstGeom prst="rect">
-            <a:avLst/>
-          </a:prstGeom>
-          <a:noFill/>
-          <a:ln>
-            <a:noFill/>
-          </a:ln>
-        </p:spPr>
-        <p:txBody>
-          <a:bodyPr anchor="ctr"/>
-          <a:lstStyle/>
-          <a:p>
-            <a:pPr algn="r">
-              <a:lnSpc>
-                <a:spcPct val="100000"/>
-              </a:lnSpc>
-            </a:pPr>
-            <a:fld id="{51239973-2D10-49D8-8A50-03EDD881EE2A}" type="slidenum">
-              <a:rPr lang="en-US" sz="1600" b="0" strike="noStrike" spc="-1">
-                <a:solidFill>
-                  <a:srgbClr val="898989"/>
-                </a:solidFill>
-                <a:latin typeface="Arial"/>
-                <a:ea typeface="Arial"/>
-              </a:rPr>
-              <a:t>21</a:t>
-            </a:fld>
-            <a:endParaRPr lang="en-US" sz="1600" b="0" strike="noStrike" spc="-1">
-              <a:latin typeface="Times New Roman"/>
-            </a:endParaRPr>
+          <p:cNvPr id="3" name="Subtitle 2">
+            <a:extLst>
+              <a:ext uri="{FF2B5EF4-FFF2-40B4-BE49-F238E27FC236}">
+                <a16:creationId xmlns:a16="http://schemas.microsoft.com/office/drawing/2014/main" id="{2748629D-763A-4C3C-94F3-C502C4ABB0A9}"/>
+              </a:ext>
+            </a:extLst>
+          </p:cNvPr>
+          <p:cNvSpPr>
+            <a:spLocks noGrp="1"/>
+          </p:cNvSpPr>
+          <p:nvPr>
+            <p:ph type="subTitle"/>
+          </p:nvPr>
+        </p:nvSpPr>
+        <p:spPr>
+          <a:xfrm>
+            <a:off x="1888080" y="1520822"/>
+            <a:ext cx="5081040" cy="4174200"/>
+          </a:xfrm>
+        </p:spPr>
+        <p:txBody>
+          <a:bodyPr/>
+          <a:lstStyle/>
+          <a:p>
+            <a:r>
+              <a:rPr lang="en-US" dirty="0"/>
+              <a:t>simulator</a:t>
+            </a:r>
           </a:p>
         </p:txBody>
       </p:sp>
       <p:pic>
         <p:nvPicPr>
-          <p:cNvPr id="290" name="Picture 10"/>
-          <p:cNvPicPr/>
+          <p:cNvPr id="4" name="Picture 3">
+            <a:extLst>
+              <a:ext uri="{FF2B5EF4-FFF2-40B4-BE49-F238E27FC236}">
+                <a16:creationId xmlns:a16="http://schemas.microsoft.com/office/drawing/2014/main" id="{05DFC2EE-204A-46CC-A66D-EA76E91F2CAF}"/>
+              </a:ext>
+            </a:extLst>
+          </p:cNvPr>
+          <p:cNvPicPr>
+            <a:picLocks noChangeAspect="1"/>
+          </p:cNvPicPr>
+          <p:nvPr/>
+        </p:nvPicPr>
+        <p:blipFill>
+          <a:blip r:embed="rId2"/>
+          <a:stretch>
+            <a:fillRect/>
+          </a:stretch>
+        </p:blipFill>
+        <p:spPr>
+          <a:xfrm>
+            <a:off x="5733078" y="1372900"/>
+            <a:ext cx="6121265" cy="4470043"/>
+          </a:xfrm>
+          <a:prstGeom prst="rect">
+            <a:avLst/>
+          </a:prstGeom>
+        </p:spPr>
+      </p:pic>
+      <p:pic>
+        <p:nvPicPr>
+          <p:cNvPr id="5" name="Picture 4">
+            <a:extLst>
+              <a:ext uri="{FF2B5EF4-FFF2-40B4-BE49-F238E27FC236}">
+                <a16:creationId xmlns:a16="http://schemas.microsoft.com/office/drawing/2014/main" id="{6F0AA501-89FD-465B-890A-5902A0FD3483}"/>
+              </a:ext>
+            </a:extLst>
+          </p:cNvPr>
+          <p:cNvPicPr>
+            <a:picLocks noChangeAspect="1"/>
+          </p:cNvPicPr>
           <p:nvPr/>
         </p:nvPicPr>
         <p:blipFill>
           <a:blip r:embed="rId3"/>
-          <a:stretch/>
+          <a:stretch>
+            <a:fillRect/>
+          </a:stretch>
         </p:blipFill>
         <p:spPr>
           <a:xfrm>
-            <a:off x="730440" y="1742400"/>
-            <a:ext cx="5103000" cy="4326120"/>
-          </a:xfrm>
-          <a:prstGeom prst="rect">
-            <a:avLst/>
-          </a:prstGeom>
-          <a:ln>
-            <a:noFill/>
-          </a:ln>
-        </p:spPr>
-      </p:pic>
-      <p:pic>
-        <p:nvPicPr>
-          <p:cNvPr id="291" name="Picture 11"/>
-          <p:cNvPicPr/>
-          <p:nvPr/>
-        </p:nvPicPr>
-        <p:blipFill>
-          <a:blip r:embed="rId4"/>
-          <a:stretch/>
-        </p:blipFill>
-        <p:spPr>
-          <a:xfrm>
-            <a:off x="5803920" y="1742400"/>
-            <a:ext cx="5269680" cy="4336920"/>
-          </a:xfrm>
-          <a:prstGeom prst="rect">
-            <a:avLst/>
-          </a:prstGeom>
-          <a:ln>
-            <a:noFill/>
-          </a:ln>
+            <a:off x="770554" y="2139375"/>
+            <a:ext cx="4787626" cy="3629608"/>
+          </a:xfrm>
+          <a:prstGeom prst="rect">
+            <a:avLst/>
+          </a:prstGeom>
         </p:spPr>
       </p:pic>
     </p:spTree>
+    <p:extLst>
+      <p:ext uri="{BB962C8B-B14F-4D97-AF65-F5344CB8AC3E}">
+        <p14:creationId xmlns:p14="http://schemas.microsoft.com/office/powerpoint/2010/main" val="1493673980"/>
+      </p:ext>
+    </p:extLst>
   </p:cSld>
   <p:clrMapOvr>
     <a:masterClrMapping/>
@@ -19782,14 +19910,14 @@
       </p:grpSpPr>
       <p:sp>
         <p:nvSpPr>
-          <p:cNvPr id="292" name="TextShape 1"/>
+          <p:cNvPr id="287" name="TextShape 1"/>
           <p:cNvSpPr txBox="1"/>
           <p:nvPr/>
         </p:nvSpPr>
         <p:spPr>
           <a:xfrm>
-            <a:off x="580680" y="1341720"/>
-            <a:ext cx="9651240" cy="5172120"/>
+            <a:off x="195840" y="1223280"/>
+            <a:ext cx="7374600" cy="4174200"/>
           </a:xfrm>
           <a:prstGeom prst="rect">
             <a:avLst/>
@@ -19809,214 +19937,27 @@
               </a:lnSpc>
             </a:pPr>
             <a:r>
-              <a:rPr lang="en-US" sz="2670" b="0" strike="noStrike" spc="-1">
+              <a:rPr lang="en-US" sz="2670" b="0" strike="noStrike" spc="-1" dirty="0">
                 <a:solidFill>
                   <a:srgbClr val="000000"/>
                 </a:solidFill>
                 <a:latin typeface="Arial"/>
                 <a:ea typeface="Arial"/>
               </a:rPr>
-              <a:t>Summary</a:t>
-            </a:r>
-            <a:endParaRPr lang="en-US" sz="2670" b="0" strike="noStrike" spc="-1">
+              <a:t>Experiments</a:t>
+            </a:r>
+            <a:endParaRPr lang="en-US" sz="2670" b="0" strike="noStrike" spc="-1" dirty="0">
               <a:solidFill>
                 <a:srgbClr val="000000"/>
               </a:solidFill>
               <a:latin typeface="Arial"/>
             </a:endParaRPr>
           </a:p>
-          <a:p>
-            <a:pPr marL="609480" indent="-304560">
-              <a:lnSpc>
-                <a:spcPct val="100000"/>
-              </a:lnSpc>
-            </a:pPr>
-            <a:endParaRPr lang="en-US" sz="2670" b="0" strike="noStrike" spc="-1">
-              <a:solidFill>
-                <a:srgbClr val="000000"/>
-              </a:solidFill>
-              <a:latin typeface="Arial"/>
-            </a:endParaRPr>
-          </a:p>
-          <a:p>
-            <a:pPr marL="609480" indent="-304560">
-              <a:lnSpc>
-                <a:spcPct val="100000"/>
-              </a:lnSpc>
-            </a:pPr>
-            <a:r>
-              <a:rPr lang="en-US" sz="2670" b="0" strike="noStrike" spc="-1">
-                <a:solidFill>
-                  <a:srgbClr val="000000"/>
-                </a:solidFill>
-                <a:latin typeface="Arial"/>
-                <a:ea typeface="Arial"/>
-              </a:rPr>
-              <a:t>Pros:</a:t>
-            </a:r>
-            <a:endParaRPr lang="en-US" sz="2670" b="0" strike="noStrike" spc="-1">
-              <a:solidFill>
-                <a:srgbClr val="000000"/>
-              </a:solidFill>
-              <a:latin typeface="Arial"/>
-            </a:endParaRPr>
-          </a:p>
-          <a:p>
-            <a:pPr marL="1219320" lvl="1" indent="-423000">
-              <a:lnSpc>
-                <a:spcPct val="100000"/>
-              </a:lnSpc>
-              <a:buClr>
-                <a:srgbClr val="000000"/>
-              </a:buClr>
-              <a:buFont typeface="Arial"/>
-              <a:buChar char="•"/>
-            </a:pPr>
-            <a:r>
-              <a:rPr lang="en-US" sz="1870" b="0" strike="noStrike" spc="-1">
-                <a:solidFill>
-                  <a:srgbClr val="000000"/>
-                </a:solidFill>
-                <a:latin typeface="Arial"/>
-                <a:ea typeface="Arial"/>
-              </a:rPr>
-              <a:t>Achieve good approximation for mixed integer programming with much less computation.</a:t>
-            </a:r>
-            <a:endParaRPr lang="en-US" sz="1870" b="0" strike="noStrike" spc="-1">
-              <a:solidFill>
-                <a:srgbClr val="000000"/>
-              </a:solidFill>
-              <a:latin typeface="Arial"/>
-            </a:endParaRPr>
-          </a:p>
-          <a:p>
-            <a:endParaRPr lang="en-US" sz="1870" b="0" strike="noStrike" spc="-1">
-              <a:solidFill>
-                <a:srgbClr val="000000"/>
-              </a:solidFill>
-              <a:latin typeface="Arial"/>
-            </a:endParaRPr>
-          </a:p>
-          <a:p>
-            <a:pPr marL="1219320" lvl="1" indent="-423000">
-              <a:lnSpc>
-                <a:spcPct val="100000"/>
-              </a:lnSpc>
-              <a:buClr>
-                <a:srgbClr val="000000"/>
-              </a:buClr>
-              <a:buFont typeface="Arial"/>
-              <a:buChar char="•"/>
-            </a:pPr>
-            <a:r>
-              <a:rPr lang="en-US" sz="1870" b="0" strike="noStrike" spc="-1">
-                <a:solidFill>
-                  <a:srgbClr val="000000"/>
-                </a:solidFill>
-                <a:latin typeface="Arial"/>
-                <a:ea typeface="Arial"/>
-              </a:rPr>
-              <a:t>Solution duration is much more stable than mip’s.</a:t>
-            </a:r>
-            <a:endParaRPr lang="en-US" sz="1870" b="0" strike="noStrike" spc="-1">
-              <a:solidFill>
-                <a:srgbClr val="000000"/>
-              </a:solidFill>
-              <a:latin typeface="Arial"/>
-            </a:endParaRPr>
-          </a:p>
-          <a:p>
-            <a:endParaRPr lang="en-US" sz="1870" b="0" strike="noStrike" spc="-1">
-              <a:solidFill>
-                <a:srgbClr val="000000"/>
-              </a:solidFill>
-              <a:latin typeface="Arial"/>
-            </a:endParaRPr>
-          </a:p>
-          <a:p>
-            <a:pPr marL="1219320" lvl="1" indent="-423000">
-              <a:lnSpc>
-                <a:spcPct val="100000"/>
-              </a:lnSpc>
-              <a:buClr>
-                <a:srgbClr val="000000"/>
-              </a:buClr>
-              <a:buFont typeface="Arial"/>
-              <a:buChar char="•"/>
-            </a:pPr>
-            <a:r>
-              <a:rPr lang="en-US" sz="1870" b="0" strike="noStrike" spc="-1">
-                <a:solidFill>
-                  <a:srgbClr val="000000"/>
-                </a:solidFill>
-                <a:latin typeface="Arial"/>
-                <a:ea typeface="Arial"/>
-              </a:rPr>
-              <a:t>Adjustable(parameters, terminate condition)</a:t>
-            </a:r>
-            <a:endParaRPr lang="en-US" sz="1870" b="0" strike="noStrike" spc="-1">
-              <a:solidFill>
-                <a:srgbClr val="000000"/>
-              </a:solidFill>
-              <a:latin typeface="Arial"/>
-            </a:endParaRPr>
-          </a:p>
-          <a:p>
-            <a:pPr marL="609480" indent="-304560">
-              <a:lnSpc>
-                <a:spcPct val="100000"/>
-              </a:lnSpc>
-            </a:pPr>
-            <a:r>
-              <a:rPr lang="en-US" sz="2670" b="0" strike="noStrike" spc="-1">
-                <a:solidFill>
-                  <a:srgbClr val="000000"/>
-                </a:solidFill>
-                <a:latin typeface="Arial"/>
-                <a:ea typeface="Arial"/>
-              </a:rPr>
-              <a:t>Cons:</a:t>
-            </a:r>
-            <a:endParaRPr lang="en-US" sz="2670" b="0" strike="noStrike" spc="-1">
-              <a:solidFill>
-                <a:srgbClr val="000000"/>
-              </a:solidFill>
-              <a:latin typeface="Arial"/>
-            </a:endParaRPr>
-          </a:p>
-          <a:p>
-            <a:pPr marL="1219320" lvl="1" indent="-423000">
-              <a:lnSpc>
-                <a:spcPct val="100000"/>
-              </a:lnSpc>
-              <a:buClr>
-                <a:srgbClr val="000000"/>
-              </a:buClr>
-              <a:buFont typeface="Arial"/>
-              <a:buChar char="•"/>
-            </a:pPr>
-            <a:r>
-              <a:rPr lang="en-US" sz="1870" b="0" strike="noStrike" spc="-1">
-                <a:solidFill>
-                  <a:srgbClr val="000000"/>
-                </a:solidFill>
-                <a:latin typeface="Arial"/>
-                <a:ea typeface="Arial"/>
-              </a:rPr>
-              <a:t>Still mixed integer programming in each iteration(LP in future work)</a:t>
-            </a:r>
-            <a:endParaRPr lang="en-US" sz="1870" b="0" strike="noStrike" spc="-1">
-              <a:solidFill>
-                <a:srgbClr val="000000"/>
-              </a:solidFill>
-              <a:latin typeface="Arial"/>
-            </a:endParaRPr>
-          </a:p>
-        </p:txBody>
-      </p:sp>
-      <p:sp>
-        <p:nvSpPr>
-          <p:cNvPr id="293" name="TextShape 2"/>
+        </p:txBody>
+      </p:sp>
+      <p:sp>
+        <p:nvSpPr>
+          <p:cNvPr id="288" name="TextShape 2"/>
           <p:cNvSpPr txBox="1"/>
           <p:nvPr/>
         </p:nvSpPr>
@@ -20063,7 +20004,7 @@
       </p:sp>
       <p:sp>
         <p:nvSpPr>
-          <p:cNvPr id="294" name="TextShape 3"/>
+          <p:cNvPr id="289" name="TextShape 3"/>
           <p:cNvSpPr txBox="1"/>
           <p:nvPr/>
         </p:nvSpPr>
@@ -20089,7 +20030,7 @@
                 <a:spcPct val="100000"/>
               </a:lnSpc>
             </a:pPr>
-            <a:fld id="{61DC2E03-FD68-486D-AE98-2C8D0C3D7A76}" type="slidenum">
+            <a:fld id="{51239973-2D10-49D8-8A50-03EDD881EE2A}" type="slidenum">
               <a:rPr lang="en-US" sz="1600" b="0" strike="noStrike" spc="-1">
                 <a:solidFill>
                   <a:srgbClr val="898989"/>
@@ -20105,6 +20046,52 @@
           </a:p>
         </p:txBody>
       </p:sp>
+      <p:pic>
+        <p:nvPicPr>
+          <p:cNvPr id="290" name="Picture 10"/>
+          <p:cNvPicPr/>
+          <p:nvPr/>
+        </p:nvPicPr>
+        <p:blipFill>
+          <a:blip r:embed="rId3"/>
+          <a:stretch/>
+        </p:blipFill>
+        <p:spPr>
+          <a:xfrm>
+            <a:off x="730440" y="1742400"/>
+            <a:ext cx="5103000" cy="4326120"/>
+          </a:xfrm>
+          <a:prstGeom prst="rect">
+            <a:avLst/>
+          </a:prstGeom>
+          <a:ln>
+            <a:noFill/>
+          </a:ln>
+        </p:spPr>
+      </p:pic>
+      <p:pic>
+        <p:nvPicPr>
+          <p:cNvPr id="291" name="Picture 11"/>
+          <p:cNvPicPr/>
+          <p:nvPr/>
+        </p:nvPicPr>
+        <p:blipFill>
+          <a:blip r:embed="rId4"/>
+          <a:stretch/>
+        </p:blipFill>
+        <p:spPr>
+          <a:xfrm>
+            <a:off x="5803920" y="1742400"/>
+            <a:ext cx="5269680" cy="4336920"/>
+          </a:xfrm>
+          <a:prstGeom prst="rect">
+            <a:avLst/>
+          </a:prstGeom>
+          <a:ln>
+            <a:noFill/>
+          </a:ln>
+        </p:spPr>
+      </p:pic>
     </p:spTree>
   </p:cSld>
   <p:clrMapOvr>
@@ -20132,14 +20119,14 @@
       </p:grpSpPr>
       <p:sp>
         <p:nvSpPr>
-          <p:cNvPr id="295" name="TextShape 1"/>
+          <p:cNvPr id="292" name="TextShape 1"/>
           <p:cNvSpPr txBox="1"/>
           <p:nvPr/>
         </p:nvSpPr>
         <p:spPr>
           <a:xfrm>
-            <a:off x="3252240" y="2547720"/>
-            <a:ext cx="5081040" cy="4174200"/>
+            <a:off x="580680" y="1341720"/>
+            <a:ext cx="9651240" cy="5172120"/>
           </a:xfrm>
           <a:prstGeom prst="rect">
             <a:avLst/>
@@ -20153,20 +20140,20 @@
           <a:bodyPr tIns="91440" bIns="91440"/>
           <a:lstStyle/>
           <a:p>
-            <a:pPr marL="609480" indent="-304560" algn="ctr">
-              <a:lnSpc>
-                <a:spcPct val="100000"/>
-              </a:lnSpc>
-            </a:pPr>
-            <a:r>
-              <a:rPr lang="en-US" sz="2670" b="1" strike="noStrike" spc="-1" dirty="0">
+            <a:pPr marL="609480" indent="-304560">
+              <a:lnSpc>
+                <a:spcPct val="100000"/>
+              </a:lnSpc>
+            </a:pPr>
+            <a:r>
+              <a:rPr lang="en-US" sz="2670" b="0" strike="noStrike" spc="-1" dirty="0">
                 <a:solidFill>
                   <a:srgbClr val="000000"/>
                 </a:solidFill>
                 <a:latin typeface="Arial"/>
                 <a:ea typeface="Arial"/>
               </a:rPr>
-              <a:t>Thank you!</a:t>
+              <a:t>Summary</a:t>
             </a:r>
             <a:endParaRPr lang="en-US" sz="2670" b="0" strike="noStrike" spc="-1" dirty="0">
               <a:solidFill>
@@ -20176,47 +20163,11 @@
             </a:endParaRPr>
           </a:p>
           <a:p>
-            <a:pPr marL="609480" indent="-304560" algn="ctr">
-              <a:lnSpc>
-                <a:spcPct val="100000"/>
-              </a:lnSpc>
-            </a:pPr>
-            <a:endParaRPr lang="en-US" sz="2670" b="0" strike="noStrike" spc="-1">
-              <a:solidFill>
-                <a:srgbClr val="000000"/>
-              </a:solidFill>
-              <a:latin typeface="Arial"/>
-            </a:endParaRPr>
-          </a:p>
-          <a:p>
-            <a:pPr marL="609480" indent="-304560" algn="ctr">
-              <a:lnSpc>
-                <a:spcPct val="100000"/>
-              </a:lnSpc>
-            </a:pPr>
-            <a:endParaRPr lang="en-US" sz="2670" b="0" strike="noStrike" spc="-1">
-              <a:solidFill>
-                <a:srgbClr val="000000"/>
-              </a:solidFill>
-              <a:latin typeface="Arial"/>
-            </a:endParaRPr>
-          </a:p>
-          <a:p>
-            <a:pPr marL="609480" indent="-304560" algn="ctr">
-              <a:lnSpc>
-                <a:spcPct val="100000"/>
-              </a:lnSpc>
-            </a:pPr>
-            <a:r>
-              <a:rPr lang="en-US" sz="2670" b="1" strike="noStrike" spc="-1" dirty="0">
-                <a:solidFill>
-                  <a:srgbClr val="000000"/>
-                </a:solidFill>
-                <a:latin typeface="Arial"/>
-                <a:ea typeface="Arial"/>
-              </a:rPr>
-              <a:t>Q&amp;A</a:t>
-            </a:r>
+            <a:pPr marL="609480" indent="-304560">
+              <a:lnSpc>
+                <a:spcPct val="100000"/>
+              </a:lnSpc>
+            </a:pPr>
             <a:endParaRPr lang="en-US" sz="2670" b="0" strike="noStrike" spc="-1" dirty="0">
               <a:solidFill>
                 <a:srgbClr val="000000"/>
@@ -20224,18 +20175,244 @@
               <a:latin typeface="Arial"/>
             </a:endParaRPr>
           </a:p>
-        </p:txBody>
-      </p:sp>
-      <p:sp>
-        <p:nvSpPr>
-          <p:cNvPr id="296" name="TextShape 2"/>
+          <a:p>
+            <a:pPr marL="609480" indent="-304560">
+              <a:lnSpc>
+                <a:spcPct val="100000"/>
+              </a:lnSpc>
+            </a:pPr>
+            <a:r>
+              <a:rPr lang="en-US" sz="2670" b="0" strike="noStrike" spc="-1" dirty="0">
+                <a:solidFill>
+                  <a:srgbClr val="000000"/>
+                </a:solidFill>
+                <a:latin typeface="Arial"/>
+                <a:ea typeface="Arial"/>
+              </a:rPr>
+              <a:t>Pros:</a:t>
+            </a:r>
+            <a:endParaRPr lang="en-US" sz="2670" b="0" strike="noStrike" spc="-1" dirty="0">
+              <a:solidFill>
+                <a:srgbClr val="000000"/>
+              </a:solidFill>
+              <a:latin typeface="Arial"/>
+            </a:endParaRPr>
+          </a:p>
+          <a:p>
+            <a:pPr marL="1219320" lvl="1" indent="-423000">
+              <a:lnSpc>
+                <a:spcPct val="100000"/>
+              </a:lnSpc>
+              <a:buClr>
+                <a:srgbClr val="000000"/>
+              </a:buClr>
+              <a:buFont typeface="Arial"/>
+              <a:buChar char="•"/>
+            </a:pPr>
+            <a:r>
+              <a:rPr lang="en-US" sz="1870" b="0" strike="noStrike" spc="-1" dirty="0">
+                <a:solidFill>
+                  <a:srgbClr val="000000"/>
+                </a:solidFill>
+                <a:latin typeface="Arial"/>
+                <a:ea typeface="Arial"/>
+              </a:rPr>
+              <a:t>Achieve good approximation for mixed integer programming with much less computation.</a:t>
+            </a:r>
+          </a:p>
+          <a:p>
+            <a:pPr marL="1219320" lvl="1" indent="-423000">
+              <a:lnSpc>
+                <a:spcPct val="100000"/>
+              </a:lnSpc>
+              <a:buClr>
+                <a:srgbClr val="000000"/>
+              </a:buClr>
+              <a:buFont typeface="Arial"/>
+              <a:buChar char="•"/>
+            </a:pPr>
+            <a:endParaRPr lang="en-US" sz="1870" b="0" strike="noStrike" spc="-1" dirty="0">
+              <a:solidFill>
+                <a:srgbClr val="000000"/>
+              </a:solidFill>
+              <a:latin typeface="Arial"/>
+              <a:ea typeface="Arial"/>
+            </a:endParaRPr>
+          </a:p>
+          <a:p>
+            <a:pPr marL="1219320" lvl="1" indent="-423000">
+              <a:buClr>
+                <a:srgbClr val="000000"/>
+              </a:buClr>
+              <a:buFont typeface="Arial"/>
+              <a:buChar char="•"/>
+            </a:pPr>
+            <a:r>
+              <a:rPr lang="en-US" sz="2000" dirty="0"/>
+              <a:t>Used less memory for computation compared with the original MIP</a:t>
+            </a:r>
+            <a:endParaRPr lang="en-US" sz="1870" b="0" strike="noStrike" spc="-1" dirty="0">
+              <a:solidFill>
+                <a:srgbClr val="000000"/>
+              </a:solidFill>
+              <a:latin typeface="Arial"/>
+            </a:endParaRPr>
+          </a:p>
+          <a:p>
+            <a:endParaRPr lang="en-US" sz="1870" b="0" strike="noStrike" spc="-1" dirty="0">
+              <a:solidFill>
+                <a:srgbClr val="000000"/>
+              </a:solidFill>
+              <a:latin typeface="Arial"/>
+            </a:endParaRPr>
+          </a:p>
+          <a:p>
+            <a:pPr marL="1219320" lvl="1" indent="-423000">
+              <a:lnSpc>
+                <a:spcPct val="100000"/>
+              </a:lnSpc>
+              <a:buClr>
+                <a:srgbClr val="000000"/>
+              </a:buClr>
+              <a:buFont typeface="Arial"/>
+              <a:buChar char="•"/>
+            </a:pPr>
+            <a:r>
+              <a:rPr lang="en-US" sz="1870" b="0" strike="noStrike" spc="-1" dirty="0">
+                <a:solidFill>
+                  <a:srgbClr val="000000"/>
+                </a:solidFill>
+                <a:latin typeface="Arial"/>
+                <a:ea typeface="Arial"/>
+              </a:rPr>
+              <a:t>Solution duration is much more stable than </a:t>
+            </a:r>
+            <a:r>
+              <a:rPr lang="en-US" sz="1870" b="0" strike="noStrike" spc="-1" dirty="0" err="1">
+                <a:solidFill>
+                  <a:srgbClr val="000000"/>
+                </a:solidFill>
+                <a:latin typeface="Arial"/>
+                <a:ea typeface="Arial"/>
+              </a:rPr>
+              <a:t>mip’s</a:t>
+            </a:r>
+            <a:r>
+              <a:rPr lang="en-US" sz="1870" b="0" strike="noStrike" spc="-1" dirty="0">
+                <a:solidFill>
+                  <a:srgbClr val="000000"/>
+                </a:solidFill>
+                <a:latin typeface="Arial"/>
+                <a:ea typeface="Arial"/>
+              </a:rPr>
+              <a:t>.</a:t>
+            </a:r>
+            <a:endParaRPr lang="en-US" sz="1870" b="0" strike="noStrike" spc="-1" dirty="0">
+              <a:solidFill>
+                <a:srgbClr val="000000"/>
+              </a:solidFill>
+              <a:latin typeface="Arial"/>
+            </a:endParaRPr>
+          </a:p>
+          <a:p>
+            <a:endParaRPr lang="en-US" sz="1870" b="0" strike="noStrike" spc="-1" dirty="0">
+              <a:solidFill>
+                <a:srgbClr val="000000"/>
+              </a:solidFill>
+              <a:latin typeface="Arial"/>
+            </a:endParaRPr>
+          </a:p>
+          <a:p>
+            <a:pPr marL="1219320" lvl="1" indent="-423000">
+              <a:lnSpc>
+                <a:spcPct val="100000"/>
+              </a:lnSpc>
+              <a:buClr>
+                <a:srgbClr val="000000"/>
+              </a:buClr>
+              <a:buFont typeface="Arial"/>
+              <a:buChar char="•"/>
+            </a:pPr>
+            <a:r>
+              <a:rPr lang="en-US" sz="1870" b="0" strike="noStrike" spc="-1" dirty="0">
+                <a:solidFill>
+                  <a:srgbClr val="000000"/>
+                </a:solidFill>
+                <a:latin typeface="Arial"/>
+                <a:ea typeface="Arial"/>
+              </a:rPr>
+              <a:t>Adjustable(parameters, terminate condition)</a:t>
+            </a:r>
+            <a:endParaRPr lang="en-US" sz="1870" b="0" strike="noStrike" spc="-1" dirty="0">
+              <a:solidFill>
+                <a:srgbClr val="000000"/>
+              </a:solidFill>
+              <a:latin typeface="Arial"/>
+            </a:endParaRPr>
+          </a:p>
+          <a:p>
+            <a:pPr marL="609480" indent="-304560">
+              <a:lnSpc>
+                <a:spcPct val="100000"/>
+              </a:lnSpc>
+            </a:pPr>
+            <a:r>
+              <a:rPr lang="en-US" sz="2670" b="0" strike="noStrike" spc="-1" dirty="0">
+                <a:solidFill>
+                  <a:srgbClr val="000000"/>
+                </a:solidFill>
+                <a:latin typeface="Arial"/>
+                <a:ea typeface="Arial"/>
+              </a:rPr>
+              <a:t>Cons:</a:t>
+            </a:r>
+            <a:endParaRPr lang="en-US" sz="2670" b="0" strike="noStrike" spc="-1" dirty="0">
+              <a:solidFill>
+                <a:srgbClr val="000000"/>
+              </a:solidFill>
+              <a:latin typeface="Arial"/>
+            </a:endParaRPr>
+          </a:p>
+          <a:p>
+            <a:pPr marL="1219320" lvl="1" indent="-423000">
+              <a:lnSpc>
+                <a:spcPct val="100000"/>
+              </a:lnSpc>
+              <a:buClr>
+                <a:srgbClr val="000000"/>
+              </a:buClr>
+              <a:buFont typeface="Arial"/>
+              <a:buChar char="•"/>
+            </a:pPr>
+            <a:r>
+              <a:rPr lang="en-US" sz="1870" b="0" strike="noStrike" spc="-1" dirty="0">
+                <a:solidFill>
+                  <a:srgbClr val="000000"/>
+                </a:solidFill>
+                <a:latin typeface="Arial"/>
+                <a:ea typeface="Arial"/>
+              </a:rPr>
+              <a:t>Still mixed integer programming in each iteration(LP in future work)</a:t>
+            </a:r>
+            <a:endParaRPr lang="en-US" sz="1870" b="0" strike="noStrike" spc="-1" dirty="0">
+              <a:solidFill>
+                <a:srgbClr val="000000"/>
+              </a:solidFill>
+              <a:latin typeface="Arial"/>
+            </a:endParaRPr>
+          </a:p>
+        </p:txBody>
+      </p:sp>
+      <p:sp>
+        <p:nvSpPr>
+          <p:cNvPr id="293" name="TextShape 2"/>
           <p:cNvSpPr txBox="1"/>
           <p:nvPr/>
         </p:nvSpPr>
         <p:spPr>
           <a:xfrm>
-            <a:off x="8737560" y="6356520"/>
-            <a:ext cx="2844360" cy="365760"/>
+            <a:off x="8235720" y="305280"/>
+            <a:ext cx="3654000" cy="353160"/>
           </a:xfrm>
           <a:prstGeom prst="rect">
             <a:avLst/>
@@ -20246,6 +20423,218 @@
           </a:ln>
         </p:spPr>
         <p:txBody>
+          <a:bodyPr tIns="91440" bIns="91440"/>
+          <a:lstStyle/>
+          <a:p>
+            <a:pPr marL="609480" indent="-304560" algn="r">
+              <a:lnSpc>
+                <a:spcPct val="100000"/>
+              </a:lnSpc>
+            </a:pPr>
+            <a:r>
+              <a:rPr lang="en-US" sz="1870" b="0" strike="noStrike" spc="-1">
+                <a:solidFill>
+                  <a:srgbClr val="FFFFFF"/>
+                </a:solidFill>
+                <a:latin typeface="Arial"/>
+                <a:ea typeface="Arial"/>
+              </a:rPr>
+              <a:t>Heuristic 2</a:t>
+            </a:r>
+            <a:endParaRPr lang="en-US" sz="1870" b="0" strike="noStrike" spc="-1">
+              <a:solidFill>
+                <a:srgbClr val="000000"/>
+              </a:solidFill>
+              <a:latin typeface="Arial"/>
+            </a:endParaRPr>
+          </a:p>
+        </p:txBody>
+      </p:sp>
+      <p:sp>
+        <p:nvSpPr>
+          <p:cNvPr id="294" name="TextShape 3"/>
+          <p:cNvSpPr txBox="1"/>
+          <p:nvPr/>
+        </p:nvSpPr>
+        <p:spPr>
+          <a:xfrm>
+            <a:off x="8737560" y="6356520"/>
+            <a:ext cx="2844360" cy="365760"/>
+          </a:xfrm>
+          <a:prstGeom prst="rect">
+            <a:avLst/>
+          </a:prstGeom>
+          <a:noFill/>
+          <a:ln>
+            <a:noFill/>
+          </a:ln>
+        </p:spPr>
+        <p:txBody>
+          <a:bodyPr anchor="ctr"/>
+          <a:lstStyle/>
+          <a:p>
+            <a:pPr algn="r">
+              <a:lnSpc>
+                <a:spcPct val="100000"/>
+              </a:lnSpc>
+            </a:pPr>
+            <a:fld id="{61DC2E03-FD68-486D-AE98-2C8D0C3D7A76}" type="slidenum">
+              <a:rPr lang="en-US" sz="1600" b="0" strike="noStrike" spc="-1">
+                <a:solidFill>
+                  <a:srgbClr val="898989"/>
+                </a:solidFill>
+                <a:latin typeface="Arial"/>
+                <a:ea typeface="Arial"/>
+              </a:rPr>
+              <a:t>23</a:t>
+            </a:fld>
+            <a:endParaRPr lang="en-US" sz="1600" b="0" strike="noStrike" spc="-1">
+              <a:latin typeface="Times New Roman"/>
+            </a:endParaRPr>
+          </a:p>
+        </p:txBody>
+      </p:sp>
+    </p:spTree>
+  </p:cSld>
+  <p:clrMapOvr>
+    <a:masterClrMapping/>
+  </p:clrMapOvr>
+</p:sld>
+</file>
+
+<file path=ppt/slides/slide24.xml><?xml version="1.0" encoding="utf-8"?>
+<p:sld xmlns:a="http://schemas.openxmlformats.org/drawingml/2006/main" xmlns:r="http://schemas.openxmlformats.org/officeDocument/2006/relationships" xmlns:p="http://schemas.openxmlformats.org/presentationml/2006/main">
+  <p:cSld>
+    <p:spTree>
+      <p:nvGrpSpPr>
+        <p:cNvPr id="1" name=""/>
+        <p:cNvGrpSpPr/>
+        <p:nvPr/>
+      </p:nvGrpSpPr>
+      <p:grpSpPr>
+        <a:xfrm>
+          <a:off x="0" y="0"/>
+          <a:ext cx="0" cy="0"/>
+          <a:chOff x="0" y="0"/>
+          <a:chExt cx="0" cy="0"/>
+        </a:xfrm>
+      </p:grpSpPr>
+      <p:sp>
+        <p:nvSpPr>
+          <p:cNvPr id="295" name="TextShape 1"/>
+          <p:cNvSpPr txBox="1"/>
+          <p:nvPr/>
+        </p:nvSpPr>
+        <p:spPr>
+          <a:xfrm>
+            <a:off x="3252240" y="2547720"/>
+            <a:ext cx="5081040" cy="4174200"/>
+          </a:xfrm>
+          <a:prstGeom prst="rect">
+            <a:avLst/>
+          </a:prstGeom>
+          <a:noFill/>
+          <a:ln>
+            <a:noFill/>
+          </a:ln>
+        </p:spPr>
+        <p:txBody>
+          <a:bodyPr tIns="91440" bIns="91440"/>
+          <a:lstStyle/>
+          <a:p>
+            <a:pPr marL="609480" indent="-304560" algn="ctr">
+              <a:lnSpc>
+                <a:spcPct val="100000"/>
+              </a:lnSpc>
+            </a:pPr>
+            <a:r>
+              <a:rPr lang="en-US" sz="2670" b="1" strike="noStrike" spc="-1" dirty="0">
+                <a:solidFill>
+                  <a:srgbClr val="000000"/>
+                </a:solidFill>
+                <a:latin typeface="Arial"/>
+                <a:ea typeface="Arial"/>
+              </a:rPr>
+              <a:t>Thank you!</a:t>
+            </a:r>
+            <a:endParaRPr lang="en-US" sz="2670" b="0" strike="noStrike" spc="-1" dirty="0">
+              <a:solidFill>
+                <a:srgbClr val="000000"/>
+              </a:solidFill>
+              <a:latin typeface="Arial"/>
+            </a:endParaRPr>
+          </a:p>
+          <a:p>
+            <a:pPr marL="609480" indent="-304560" algn="ctr">
+              <a:lnSpc>
+                <a:spcPct val="100000"/>
+              </a:lnSpc>
+            </a:pPr>
+            <a:endParaRPr lang="en-US" sz="2670" b="0" strike="noStrike" spc="-1">
+              <a:solidFill>
+                <a:srgbClr val="000000"/>
+              </a:solidFill>
+              <a:latin typeface="Arial"/>
+            </a:endParaRPr>
+          </a:p>
+          <a:p>
+            <a:pPr marL="609480" indent="-304560" algn="ctr">
+              <a:lnSpc>
+                <a:spcPct val="100000"/>
+              </a:lnSpc>
+            </a:pPr>
+            <a:endParaRPr lang="en-US" sz="2670" b="0" strike="noStrike" spc="-1">
+              <a:solidFill>
+                <a:srgbClr val="000000"/>
+              </a:solidFill>
+              <a:latin typeface="Arial"/>
+            </a:endParaRPr>
+          </a:p>
+          <a:p>
+            <a:pPr marL="609480" indent="-304560" algn="ctr">
+              <a:lnSpc>
+                <a:spcPct val="100000"/>
+              </a:lnSpc>
+            </a:pPr>
+            <a:r>
+              <a:rPr lang="en-US" sz="2670" b="1" strike="noStrike" spc="-1" dirty="0">
+                <a:solidFill>
+                  <a:srgbClr val="000000"/>
+                </a:solidFill>
+                <a:latin typeface="Arial"/>
+                <a:ea typeface="Arial"/>
+              </a:rPr>
+              <a:t>Q&amp;A</a:t>
+            </a:r>
+            <a:endParaRPr lang="en-US" sz="2670" b="0" strike="noStrike" spc="-1" dirty="0">
+              <a:solidFill>
+                <a:srgbClr val="000000"/>
+              </a:solidFill>
+              <a:latin typeface="Arial"/>
+            </a:endParaRPr>
+          </a:p>
+        </p:txBody>
+      </p:sp>
+      <p:sp>
+        <p:nvSpPr>
+          <p:cNvPr id="296" name="TextShape 2"/>
+          <p:cNvSpPr txBox="1"/>
+          <p:nvPr/>
+        </p:nvSpPr>
+        <p:spPr>
+          <a:xfrm>
+            <a:off x="8737560" y="6356520"/>
+            <a:ext cx="2844360" cy="365760"/>
+          </a:xfrm>
+          <a:prstGeom prst="rect">
+            <a:avLst/>
+          </a:prstGeom>
+          <a:noFill/>
+          <a:ln>
+            <a:noFill/>
+          </a:ln>
+        </p:spPr>
+        <p:txBody>
           <a:bodyPr anchor="ctr"/>
           <a:lstStyle/>
           <a:p>
@@ -20262,7 +20651,7 @@
                 <a:latin typeface="Arial"/>
                 <a:ea typeface="Arial"/>
               </a:rPr>
-              <a:t>23</a:t>
+              <a:t>24</a:t>
             </a:fld>
             <a:endParaRPr lang="en-US" sz="1600" b="0" strike="noStrike" spc="-1" dirty="0">
               <a:latin typeface="Times New Roman"/>
